--- a/roof_chimney.pptx
+++ b/roof_chimney.pptx
@@ -9,9 +9,10 @@
     <p:sldId id="265" r:id="rId3"/>
     <p:sldId id="266" r:id="rId4"/>
     <p:sldId id="267" r:id="rId5"/>
-    <p:sldId id="261" r:id="rId6"/>
-    <p:sldId id="262" r:id="rId7"/>
-    <p:sldId id="263" r:id="rId8"/>
+    <p:sldId id="268" r:id="rId6"/>
+    <p:sldId id="261" r:id="rId7"/>
+    <p:sldId id="269" r:id="rId8"/>
+    <p:sldId id="263" r:id="rId9"/>
   </p:sldIdLst>
   <p:sldSz cx="12192000" cy="6858000"/>
   <p:notesSz cx="6858000" cy="9144000"/>
@@ -264,7 +265,7 @@
           <a:lstStyle/>
           <a:p>
             <a:fld id="{5F491023-0B0A-7041-9F06-D25A50EF063B}" type="datetimeFigureOut">
-              <a:t>10/15/24</a:t>
+              <a:t>10/24/24</a:t>
             </a:fld>
             <a:endParaRPr lang="en-US"/>
           </a:p>
@@ -460,7 +461,7 @@
           <a:lstStyle/>
           <a:p>
             <a:fld id="{5F491023-0B0A-7041-9F06-D25A50EF063B}" type="datetimeFigureOut">
-              <a:t>10/15/24</a:t>
+              <a:t>10/24/24</a:t>
             </a:fld>
             <a:endParaRPr lang="en-US"/>
           </a:p>
@@ -666,7 +667,7 @@
           <a:lstStyle/>
           <a:p>
             <a:fld id="{5F491023-0B0A-7041-9F06-D25A50EF063B}" type="datetimeFigureOut">
-              <a:t>10/15/24</a:t>
+              <a:t>10/24/24</a:t>
             </a:fld>
             <a:endParaRPr lang="en-US"/>
           </a:p>
@@ -862,7 +863,7 @@
           <a:lstStyle/>
           <a:p>
             <a:fld id="{5F491023-0B0A-7041-9F06-D25A50EF063B}" type="datetimeFigureOut">
-              <a:t>10/15/24</a:t>
+              <a:t>10/24/24</a:t>
             </a:fld>
             <a:endParaRPr lang="en-US"/>
           </a:p>
@@ -1135,7 +1136,7 @@
           <a:lstStyle/>
           <a:p>
             <a:fld id="{5F491023-0B0A-7041-9F06-D25A50EF063B}" type="datetimeFigureOut">
-              <a:t>10/15/24</a:t>
+              <a:t>10/24/24</a:t>
             </a:fld>
             <a:endParaRPr lang="en-US"/>
           </a:p>
@@ -1398,7 +1399,7 @@
           <a:lstStyle/>
           <a:p>
             <a:fld id="{5F491023-0B0A-7041-9F06-D25A50EF063B}" type="datetimeFigureOut">
-              <a:t>10/15/24</a:t>
+              <a:t>10/24/24</a:t>
             </a:fld>
             <a:endParaRPr lang="en-US"/>
           </a:p>
@@ -1808,7 +1809,7 @@
           <a:lstStyle/>
           <a:p>
             <a:fld id="{5F491023-0B0A-7041-9F06-D25A50EF063B}" type="datetimeFigureOut">
-              <a:t>10/15/24</a:t>
+              <a:t>10/24/24</a:t>
             </a:fld>
             <a:endParaRPr lang="en-US"/>
           </a:p>
@@ -1947,7 +1948,7 @@
           <a:lstStyle/>
           <a:p>
             <a:fld id="{5F491023-0B0A-7041-9F06-D25A50EF063B}" type="datetimeFigureOut">
-              <a:t>10/15/24</a:t>
+              <a:t>10/24/24</a:t>
             </a:fld>
             <a:endParaRPr lang="en-US"/>
           </a:p>
@@ -2058,7 +2059,7 @@
           <a:lstStyle/>
           <a:p>
             <a:fld id="{5F491023-0B0A-7041-9F06-D25A50EF063B}" type="datetimeFigureOut">
-              <a:t>10/15/24</a:t>
+              <a:t>10/24/24</a:t>
             </a:fld>
             <a:endParaRPr lang="en-US"/>
           </a:p>
@@ -2367,7 +2368,7 @@
           <a:lstStyle/>
           <a:p>
             <a:fld id="{5F491023-0B0A-7041-9F06-D25A50EF063B}" type="datetimeFigureOut">
-              <a:t>10/15/24</a:t>
+              <a:t>10/24/24</a:t>
             </a:fld>
             <a:endParaRPr lang="en-US"/>
           </a:p>
@@ -2653,7 +2654,7 @@
           <a:lstStyle/>
           <a:p>
             <a:fld id="{5F491023-0B0A-7041-9F06-D25A50EF063B}" type="datetimeFigureOut">
-              <a:t>10/15/24</a:t>
+              <a:t>10/24/24</a:t>
             </a:fld>
             <a:endParaRPr lang="en-US"/>
           </a:p>
@@ -2892,7 +2893,7 @@
           </a:lstStyle>
           <a:p>
             <a:fld id="{5F491023-0B0A-7041-9F06-D25A50EF063B}" type="datetimeFigureOut">
-              <a:t>10/15/24</a:t>
+              <a:t>10/24/24</a:t>
             </a:fld>
             <a:endParaRPr lang="en-US"/>
           </a:p>
@@ -4171,7 +4172,7 @@
         </p:blipFill>
         <p:spPr>
           <a:xfrm>
-            <a:off x="8642017" y="107495"/>
+            <a:off x="1228604" y="4436116"/>
             <a:ext cx="3406572" cy="2342745"/>
           </a:xfrm>
           <a:prstGeom prst="rect">
@@ -5336,7 +5337,7 @@
         <p:spPr>
           <a:xfrm>
             <a:off x="6721608" y="3272345"/>
-            <a:ext cx="3030359" cy="600164"/>
+            <a:ext cx="3030359" cy="784830"/>
           </a:xfrm>
           <a:prstGeom prst="rect">
             <a:avLst/>
@@ -5440,37 +5441,27 @@
                 <a:latin typeface="Amazon Ember"/>
                 <a:hlinkClick r:id="rId9"/>
               </a:rPr>
-              <a:t>https://www.amazon.com/</a:t>
-            </a:r>
-            <a:r>
-              <a:rPr lang="en-US" sz="900" b="0" i="0" dirty="0" err="1">
-                <a:solidFill>
-                  <a:srgbClr val="0F1111"/>
-                </a:solidFill>
-                <a:effectLst/>
-                <a:latin typeface="Amazon Ember"/>
-                <a:hlinkClick r:id="rId9"/>
-              </a:rPr>
-              <a:t>dp</a:t>
-            </a:r>
-            <a:r>
+              <a:t>https://www.amazon.com/dp/B0CQ4N3QVZ/</a:t>
+            </a:r>
+            <a:br>
               <a:rPr lang="en-US" sz="900" b="0" i="0" dirty="0">
                 <a:solidFill>
                   <a:srgbClr val="0F1111"/>
                 </a:solidFill>
                 <a:effectLst/>
                 <a:latin typeface="Amazon Ember"/>
-                <a:hlinkClick r:id="rId9"/>
-              </a:rPr>
-              <a:t>/B0CQ4N3QVZ/</a:t>
-            </a:r>
-            <a:endParaRPr lang="en-US" sz="900" b="0" i="0" dirty="0">
-              <a:solidFill>
-                <a:srgbClr val="0F1111"/>
-              </a:solidFill>
-              <a:effectLst/>
-              <a:latin typeface="Amazon Ember"/>
-            </a:endParaRPr>
+              </a:rPr>
+            </a:br>
+            <a:r>
+              <a:rPr lang="en-US" sz="1200" b="0" i="0" dirty="0">
+                <a:solidFill>
+                  <a:srgbClr val="FF0000"/>
+                </a:solidFill>
+                <a:effectLst/>
+                <a:latin typeface="Amazon Ember"/>
+              </a:rPr>
+              <a:t>don't like it – very heavy.</a:t>
+            </a:r>
           </a:p>
         </p:txBody>
       </p:sp>
@@ -5826,7 +5817,13 @@
   <p:cSld>
     <p:spTree>
       <p:nvGrpSpPr>
-        <p:cNvPr id="1" name=""/>
+        <p:cNvPr id="1" name="">
+          <a:extLst>
+            <a:ext uri="{FF2B5EF4-FFF2-40B4-BE49-F238E27FC236}">
+              <a16:creationId xmlns:a16="http://schemas.microsoft.com/office/drawing/2014/main" id="{BC5D631C-882B-CEF9-443A-3701D13E4B3D}"/>
+            </a:ext>
+          </a:extLst>
+        </p:cNvPr>
         <p:cNvGrpSpPr/>
         <p:nvPr/>
       </p:nvGrpSpPr>
@@ -5843,7 +5840,7 @@
           <p:cNvPr id="2" name="TextBox 1">
             <a:extLst>
               <a:ext uri="{FF2B5EF4-FFF2-40B4-BE49-F238E27FC236}">
-                <a16:creationId xmlns:a16="http://schemas.microsoft.com/office/drawing/2014/main" id="{E0163547-3461-AE07-C75E-7594C61EA810}"/>
+                <a16:creationId xmlns:a16="http://schemas.microsoft.com/office/drawing/2014/main" id="{D756FB4C-0506-05D3-D546-F9010E49BF1A}"/>
               </a:ext>
             </a:extLst>
           </p:cNvPr>
@@ -5852,8 +5849,8 @@
         </p:nvSpPr>
         <p:spPr>
           <a:xfrm>
-            <a:off x="3542351" y="485282"/>
-            <a:ext cx="4575088" cy="2185214"/>
+            <a:off x="0" y="0"/>
+            <a:ext cx="5457217" cy="523220"/>
           </a:xfrm>
           <a:prstGeom prst="rect">
             <a:avLst/>
@@ -5866,225 +5863,19 @@
           </a:bodyPr>
           <a:lstStyle/>
           <a:p>
-            <a:pPr algn="ctr"/>
-            <a:r>
-              <a:rPr lang="en-US" sz="4400" b="1" dirty="0">
-                <a:solidFill>
-                  <a:srgbClr val="00B0F0"/>
-                </a:solidFill>
-              </a:rPr>
-              <a:t>Chimney Fan</a:t>
-            </a:r>
-          </a:p>
-          <a:p>
-            <a:pPr algn="ctr"/>
-            <a:r>
-              <a:rPr lang="en-US" sz="4400" b="1" dirty="0">
-                <a:solidFill>
-                  <a:srgbClr val="00B0F0"/>
-                </a:solidFill>
-              </a:rPr>
-              <a:t>Draft Inducer</a:t>
-            </a:r>
-          </a:p>
-          <a:p>
-            <a:pPr algn="ctr"/>
-            <a:r>
-              <a:rPr lang="en-US" sz="2400" b="1" dirty="0">
-                <a:solidFill>
-                  <a:srgbClr val="00B0F0"/>
-                </a:solidFill>
-              </a:rPr>
-              <a:t>Prevent wood stove exhaust from entering the room</a:t>
-            </a:r>
-          </a:p>
-        </p:txBody>
-      </p:sp>
-      <p:pic>
-        <p:nvPicPr>
-          <p:cNvPr id="3" name="Picture 2">
-            <a:extLst>
-              <a:ext uri="{FF2B5EF4-FFF2-40B4-BE49-F238E27FC236}">
-                <a16:creationId xmlns:a16="http://schemas.microsoft.com/office/drawing/2014/main" id="{7D0E4DA9-E4F2-E34E-F919-6BBBAEFDD7DC}"/>
-              </a:ext>
-            </a:extLst>
-          </p:cNvPr>
-          <p:cNvPicPr>
-            <a:picLocks noChangeAspect="1"/>
-          </p:cNvPicPr>
-          <p:nvPr/>
-        </p:nvPicPr>
-        <p:blipFill rotWithShape="1">
-          <a:blip r:embed="rId2" cstate="email">
-            <a:extLst>
-              <a:ext uri="{28A0092B-C50C-407E-A947-70E740481C1C}">
-                <a14:useLocalDpi xmlns:a14="http://schemas.microsoft.com/office/drawing/2010/main"/>
-              </a:ext>
-            </a:extLst>
-          </a:blip>
-          <a:srcRect/>
-          <a:stretch/>
-        </p:blipFill>
-        <p:spPr>
-          <a:xfrm>
-            <a:off x="395423" y="3812248"/>
-            <a:ext cx="2305957" cy="2184400"/>
-          </a:xfrm>
-          <a:prstGeom prst="rect">
-            <a:avLst/>
-          </a:prstGeom>
-        </p:spPr>
-      </p:pic>
-      <p:pic>
-        <p:nvPicPr>
-          <p:cNvPr id="4" name="Picture 3">
-            <a:extLst>
-              <a:ext uri="{FF2B5EF4-FFF2-40B4-BE49-F238E27FC236}">
-                <a16:creationId xmlns:a16="http://schemas.microsoft.com/office/drawing/2014/main" id="{BE4134FA-9C86-1ED0-6854-E397FF551634}"/>
-              </a:ext>
-            </a:extLst>
-          </p:cNvPr>
-          <p:cNvPicPr>
-            <a:picLocks noChangeAspect="1"/>
-          </p:cNvPicPr>
-          <p:nvPr/>
-        </p:nvPicPr>
-        <p:blipFill>
-          <a:blip r:embed="rId3" cstate="email">
-            <a:extLst>
-              <a:ext uri="{28A0092B-C50C-407E-A947-70E740481C1C}">
-                <a14:useLocalDpi xmlns:a14="http://schemas.microsoft.com/office/drawing/2010/main"/>
-              </a:ext>
-            </a:extLst>
-          </a:blip>
-          <a:stretch>
-            <a:fillRect/>
-          </a:stretch>
-        </p:blipFill>
-        <p:spPr>
-          <a:xfrm>
-            <a:off x="2701380" y="3812248"/>
-            <a:ext cx="2305957" cy="2196150"/>
-          </a:xfrm>
-          <a:prstGeom prst="rect">
-            <a:avLst/>
-          </a:prstGeom>
-        </p:spPr>
-      </p:pic>
-      <p:pic>
-        <p:nvPicPr>
-          <p:cNvPr id="5" name="Picture 4">
-            <a:extLst>
-              <a:ext uri="{FF2B5EF4-FFF2-40B4-BE49-F238E27FC236}">
-                <a16:creationId xmlns:a16="http://schemas.microsoft.com/office/drawing/2014/main" id="{08DCCB36-5A5C-A131-2897-5A5F969C3C06}"/>
-              </a:ext>
-            </a:extLst>
-          </p:cNvPr>
-          <p:cNvPicPr>
-            <a:picLocks noChangeAspect="1"/>
-          </p:cNvPicPr>
-          <p:nvPr/>
-        </p:nvPicPr>
-        <p:blipFill>
-          <a:blip r:embed="rId4" cstate="email">
-            <a:extLst>
-              <a:ext uri="{28A0092B-C50C-407E-A947-70E740481C1C}">
-                <a14:useLocalDpi xmlns:a14="http://schemas.microsoft.com/office/drawing/2010/main"/>
-              </a:ext>
-            </a:extLst>
-          </a:blip>
-          <a:stretch>
-            <a:fillRect/>
-          </a:stretch>
-        </p:blipFill>
-        <p:spPr>
-          <a:xfrm>
-            <a:off x="5159109" y="3812248"/>
-            <a:ext cx="2154185" cy="2196150"/>
-          </a:xfrm>
-          <a:prstGeom prst="rect">
-            <a:avLst/>
-          </a:prstGeom>
-        </p:spPr>
-      </p:pic>
-      <p:pic>
-        <p:nvPicPr>
-          <p:cNvPr id="6" name="Picture 5">
-            <a:extLst>
-              <a:ext uri="{FF2B5EF4-FFF2-40B4-BE49-F238E27FC236}">
-                <a16:creationId xmlns:a16="http://schemas.microsoft.com/office/drawing/2014/main" id="{8A3BD7ED-07BD-CB55-974C-D87E032C35B8}"/>
-              </a:ext>
-            </a:extLst>
-          </p:cNvPr>
-          <p:cNvPicPr>
-            <a:picLocks noChangeAspect="1"/>
-          </p:cNvPicPr>
-          <p:nvPr/>
-        </p:nvPicPr>
-        <p:blipFill>
-          <a:blip r:embed="rId5" cstate="email">
-            <a:extLst>
-              <a:ext uri="{28A0092B-C50C-407E-A947-70E740481C1C}">
-                <a14:useLocalDpi xmlns:a14="http://schemas.microsoft.com/office/drawing/2010/main"/>
-              </a:ext>
-            </a:extLst>
-          </a:blip>
-          <a:stretch>
-            <a:fillRect/>
-          </a:stretch>
-        </p:blipFill>
-        <p:spPr>
-          <a:xfrm>
-            <a:off x="185570" y="554496"/>
-            <a:ext cx="1832429" cy="1810191"/>
-          </a:xfrm>
-          <a:prstGeom prst="rect">
-            <a:avLst/>
-          </a:prstGeom>
-        </p:spPr>
-      </p:pic>
-      <p:pic>
-        <p:nvPicPr>
-          <p:cNvPr id="7" name="Picture 6">
-            <a:extLst>
-              <a:ext uri="{FF2B5EF4-FFF2-40B4-BE49-F238E27FC236}">
-                <a16:creationId xmlns:a16="http://schemas.microsoft.com/office/drawing/2014/main" id="{FF87E69D-57C4-BE32-103D-5EFE0C6250AD}"/>
-              </a:ext>
-            </a:extLst>
-          </p:cNvPr>
-          <p:cNvPicPr>
-            <a:picLocks noChangeAspect="1"/>
-          </p:cNvPicPr>
-          <p:nvPr/>
-        </p:nvPicPr>
-        <p:blipFill>
-          <a:blip r:embed="rId6" cstate="email">
-            <a:extLst>
-              <a:ext uri="{28A0092B-C50C-407E-A947-70E740481C1C}">
-                <a14:useLocalDpi xmlns:a14="http://schemas.microsoft.com/office/drawing/2010/main"/>
-              </a:ext>
-            </a:extLst>
-          </a:blip>
-          <a:stretch>
-            <a:fillRect/>
-          </a:stretch>
-        </p:blipFill>
-        <p:spPr>
-          <a:xfrm>
-            <a:off x="10366224" y="306965"/>
-            <a:ext cx="1541114" cy="1884136"/>
-          </a:xfrm>
-          <a:prstGeom prst="rect">
-            <a:avLst/>
-          </a:prstGeom>
-        </p:spPr>
-      </p:pic>
-      <p:sp>
-        <p:nvSpPr>
-          <p:cNvPr id="8" name="TextBox 7">
-            <a:extLst>
-              <a:ext uri="{FF2B5EF4-FFF2-40B4-BE49-F238E27FC236}">
-                <a16:creationId xmlns:a16="http://schemas.microsoft.com/office/drawing/2014/main" id="{519074FB-33E1-EC08-AE2A-42103F180C41}"/>
+            <a:r>
+              <a:rPr lang="en-US" sz="2800" b="1" dirty="0"/>
+              <a:t>Waterproofing Chimney</a:t>
+            </a:r>
+          </a:p>
+        </p:txBody>
+      </p:sp>
+      <p:sp>
+        <p:nvSpPr>
+          <p:cNvPr id="7" name="TextBox 6">
+            <a:extLst>
+              <a:ext uri="{FF2B5EF4-FFF2-40B4-BE49-F238E27FC236}">
+                <a16:creationId xmlns:a16="http://schemas.microsoft.com/office/drawing/2014/main" id="{DE04ECAA-549B-1D34-BFC5-FF1B89A39C65}"/>
               </a:ext>
             </a:extLst>
           </p:cNvPr>
@@ -6093,8 +5884,8 @@
         </p:nvSpPr>
         <p:spPr>
           <a:xfrm>
-            <a:off x="7973607" y="3589507"/>
-            <a:ext cx="3822970" cy="1600438"/>
+            <a:off x="80603" y="523220"/>
+            <a:ext cx="4683766" cy="2862322"/>
           </a:xfrm>
           <a:prstGeom prst="rect">
             <a:avLst/>
@@ -6115,38 +5906,597 @@
           <a:bodyPr wrap="square" rtlCol="0">
             <a:spAutoFit/>
           </a:bodyPr>
-          <a:lstStyle/>
-          <a:p>
-            <a:r>
-              <a:rPr lang="en-US" sz="1400" dirty="0"/>
-              <a:t>Tip:</a:t>
-            </a:r>
-          </a:p>
-          <a:p>
-            <a:r>
-              <a:rPr lang="en-US" sz="1400" dirty="0"/>
-              <a:t>to prevent the smoke from getting into the room when you ignite the fire:</a:t>
-            </a:r>
-          </a:p>
-          <a:p>
-            <a:endParaRPr lang="en-US" sz="1400" dirty="0"/>
-          </a:p>
-          <a:p>
-            <a:r>
-              <a:rPr lang="en-US" sz="1400" dirty="0">
+          <a:lstStyle>
+            <a:defPPr>
+              <a:defRPr lang="en-US"/>
+            </a:defPPr>
+            <a:lvl1pPr marL="285750" indent="-285750">
+              <a:buFont typeface="Arial" panose="020B0604020202020204" pitchFamily="34" charset="0"/>
+              <a:buChar char="•"/>
+              <a:defRPr sz="1400"/>
+            </a:lvl1pPr>
+          </a:lstStyle>
+          <a:p>
+            <a:pPr marL="0" indent="0">
+              <a:buNone/>
+            </a:pPr>
+            <a:r>
+              <a:rPr lang="en-US" sz="1200" b="0" i="0" dirty="0">
                 <a:solidFill>
-                  <a:srgbClr val="00B050"/>
+                  <a:srgbClr val="202124"/>
                 </a:solidFill>
-              </a:rPr>
-              <a:t>simply open the outer door or window to remove the air pressure difference between the room and outside.</a:t>
-            </a:r>
-          </a:p>
-        </p:txBody>
-      </p:sp>
+                <a:effectLst/>
+              </a:rPr>
+              <a:t>Here is a demo video: </a:t>
+            </a:r>
+            <a:r>
+              <a:rPr lang="en-US" sz="1200" b="1" i="0" dirty="0">
+                <a:solidFill>
+                  <a:srgbClr val="FF0000"/>
+                </a:solidFill>
+                <a:effectLst/>
+              </a:rPr>
+              <a:t>Tuckpointing a Chimney </a:t>
+            </a:r>
+            <a:r>
+              <a:rPr lang="en-US" sz="1200" b="0" i="0" dirty="0">
+                <a:effectLst/>
+                <a:hlinkClick r:id="rId2"/>
+              </a:rPr>
+              <a:t>https://www.youtube.com/watch?v=Y9mjAT8Gbb8</a:t>
+            </a:r>
+            <a:br>
+              <a:rPr lang="en-US" sz="1200" dirty="0"/>
+            </a:br>
+            <a:br>
+              <a:rPr lang="en-US" sz="1200" dirty="0"/>
+            </a:br>
+            <a:r>
+              <a:rPr lang="en-US" sz="1200" b="0" i="0" dirty="0">
+                <a:solidFill>
+                  <a:srgbClr val="202124"/>
+                </a:solidFill>
+                <a:effectLst/>
+              </a:rPr>
+              <a:t>He is using "Mortar Mix type S"</a:t>
+            </a:r>
+          </a:p>
+          <a:p>
+            <a:pPr marL="0" indent="0">
+              <a:buNone/>
+            </a:pPr>
+            <a:r>
+              <a:rPr lang="en-US" sz="1200" dirty="0">
+                <a:solidFill>
+                  <a:srgbClr val="202124"/>
+                </a:solidFill>
+              </a:rPr>
+              <a:t>He uses  </a:t>
+            </a:r>
+            <a:r>
+              <a:rPr lang="en-US" sz="1200" b="0" i="0" dirty="0">
+                <a:solidFill>
+                  <a:srgbClr val="202124"/>
+                </a:solidFill>
+                <a:effectLst/>
+              </a:rPr>
+              <a:t>"</a:t>
+            </a:r>
+            <a:r>
+              <a:rPr lang="en-US" sz="1200" b="1" i="0" dirty="0">
+                <a:solidFill>
+                  <a:srgbClr val="FF0000"/>
+                </a:solidFill>
+                <a:effectLst/>
+              </a:rPr>
+              <a:t>Mortar Mix type S</a:t>
+            </a:r>
+            <a:r>
+              <a:rPr lang="en-US" sz="1200" b="0" i="0" dirty="0">
+                <a:solidFill>
+                  <a:srgbClr val="202124"/>
+                </a:solidFill>
+                <a:effectLst/>
+              </a:rPr>
+              <a:t>" and "</a:t>
+            </a:r>
+            <a:r>
+              <a:rPr lang="en-US" sz="1200" b="1" i="0" dirty="0" err="1">
+                <a:solidFill>
+                  <a:srgbClr val="FF0000"/>
+                </a:solidFill>
+                <a:effectLst/>
+              </a:rPr>
+              <a:t>Mascobond</a:t>
+            </a:r>
+            <a:r>
+              <a:rPr lang="en-US" sz="1200" b="1" i="0" dirty="0">
+                <a:solidFill>
+                  <a:srgbClr val="FF0000"/>
+                </a:solidFill>
+                <a:effectLst/>
+              </a:rPr>
+              <a:t> SBR</a:t>
+            </a:r>
+            <a:r>
+              <a:rPr lang="en-US" sz="1200" b="0" i="0" dirty="0">
+                <a:solidFill>
+                  <a:srgbClr val="202124"/>
+                </a:solidFill>
+                <a:effectLst/>
+              </a:rPr>
+              <a:t>" bonding agent </a:t>
+            </a:r>
+          </a:p>
+          <a:p>
+            <a:pPr marL="0" indent="0">
+              <a:buNone/>
+            </a:pPr>
+            <a:r>
+              <a:rPr lang="en-US" sz="1200" dirty="0"/>
+              <a:t>Instruments:</a:t>
+            </a:r>
+          </a:p>
+          <a:p>
+            <a:r>
+              <a:rPr lang="en-US" sz="1200" dirty="0">
+                <a:hlinkClick r:id="rId3"/>
+              </a:rPr>
+              <a:t>https://www.amazon.com/dp/B09VT7MBZZ/ </a:t>
+            </a:r>
+            <a:endParaRPr lang="en-US" sz="1200" dirty="0"/>
+          </a:p>
+          <a:p>
+            <a:r>
+              <a:rPr lang="en-US" sz="1200" dirty="0">
+                <a:hlinkClick r:id="rId4"/>
+              </a:rPr>
+              <a:t>https://www.thisoldhouse.com/masonry/21016125/how-to-repoint-brick-using-only-hand-tools</a:t>
+            </a:r>
+            <a:endParaRPr lang="en-US" sz="1200" dirty="0"/>
+          </a:p>
+          <a:p>
+            <a:pPr marL="0" indent="0">
+              <a:buNone/>
+            </a:pPr>
+            <a:endParaRPr lang="en-US" sz="1200" dirty="0"/>
+          </a:p>
+          <a:p>
+            <a:pPr marL="0" indent="0">
+              <a:buNone/>
+            </a:pPr>
+            <a:r>
+              <a:rPr lang="en-US" sz="1200" b="0" i="0" dirty="0">
+                <a:solidFill>
+                  <a:srgbClr val="202124"/>
+                </a:solidFill>
+                <a:effectLst/>
+              </a:rPr>
+              <a:t>And then he sprays a sealant:</a:t>
+            </a:r>
+            <a:br>
+              <a:rPr lang="en-US" sz="1200" dirty="0"/>
+            </a:br>
+            <a:r>
+              <a:rPr lang="en-US" sz="1200" b="0" i="0" dirty="0">
+                <a:effectLst/>
+                <a:hlinkClick r:id="rId5"/>
+              </a:rPr>
+              <a:t>https://www.youtube.com/watch?v=vNsrcGqJoYs</a:t>
+            </a:r>
+            <a:br>
+              <a:rPr lang="en-US" sz="1200" dirty="0"/>
+            </a:br>
+            <a:r>
+              <a:rPr lang="en-US" sz="1200" dirty="0"/>
+              <a:t>There are many sealants, for example </a:t>
+            </a:r>
+            <a:r>
+              <a:rPr lang="en-US" sz="1200" b="1" dirty="0" err="1">
+                <a:solidFill>
+                  <a:srgbClr val="FF0000"/>
+                </a:solidFill>
+              </a:rPr>
+              <a:t>LastiSeal</a:t>
+            </a:r>
+            <a:r>
+              <a:rPr lang="en-US" sz="1200" dirty="0"/>
+              <a:t>:</a:t>
+            </a:r>
+            <a:br>
+              <a:rPr lang="en-US" sz="1200" dirty="0"/>
+            </a:br>
+            <a:r>
+              <a:rPr lang="en-US" sz="1200" dirty="0">
+                <a:hlinkClick r:id="rId6"/>
+              </a:rPr>
+              <a:t>https://www.amazon.com/dp/B007C6PQWM</a:t>
+            </a:r>
+            <a:r>
+              <a:rPr lang="en-US" sz="1200" dirty="0"/>
+              <a:t> </a:t>
+            </a:r>
+          </a:p>
+          <a:p>
+            <a:pPr marL="0" indent="0">
+              <a:buNone/>
+            </a:pPr>
+            <a:r>
+              <a:rPr lang="en-US" sz="1200" dirty="0">
+                <a:hlinkClick r:id="rId7"/>
+              </a:rPr>
+              <a:t>https://www.amazon.com/dp/B000E28UQU</a:t>
+            </a:r>
+            <a:r>
+              <a:rPr lang="en-US" sz="1200" dirty="0"/>
+              <a:t> - sprayer</a:t>
+            </a:r>
+          </a:p>
+        </p:txBody>
+      </p:sp>
+      <p:pic>
+        <p:nvPicPr>
+          <p:cNvPr id="6" name="Picture 5">
+            <a:extLst>
+              <a:ext uri="{FF2B5EF4-FFF2-40B4-BE49-F238E27FC236}">
+                <a16:creationId xmlns:a16="http://schemas.microsoft.com/office/drawing/2014/main" id="{DF353A45-11B8-A1C5-084A-65727CC1B17B}"/>
+              </a:ext>
+            </a:extLst>
+          </p:cNvPr>
+          <p:cNvPicPr>
+            <a:picLocks noChangeAspect="1"/>
+          </p:cNvPicPr>
+          <p:nvPr/>
+        </p:nvPicPr>
+        <p:blipFill>
+          <a:blip r:embed="rId8" cstate="email">
+            <a:extLst>
+              <a:ext uri="{28A0092B-C50C-407E-A947-70E740481C1C}">
+                <a14:useLocalDpi xmlns:a14="http://schemas.microsoft.com/office/drawing/2010/main"/>
+              </a:ext>
+            </a:extLst>
+          </a:blip>
+          <a:stretch>
+            <a:fillRect/>
+          </a:stretch>
+        </p:blipFill>
+        <p:spPr>
+          <a:xfrm>
+            <a:off x="1407177" y="3572900"/>
+            <a:ext cx="1244587" cy="1588713"/>
+          </a:xfrm>
+          <a:prstGeom prst="rect">
+            <a:avLst/>
+          </a:prstGeom>
+        </p:spPr>
+      </p:pic>
+      <p:pic>
+        <p:nvPicPr>
+          <p:cNvPr id="8" name="Picture 7">
+            <a:extLst>
+              <a:ext uri="{FF2B5EF4-FFF2-40B4-BE49-F238E27FC236}">
+                <a16:creationId xmlns:a16="http://schemas.microsoft.com/office/drawing/2014/main" id="{CFB8ECCF-88FA-3E9A-358A-9AA1B21E21E0}"/>
+              </a:ext>
+            </a:extLst>
+          </p:cNvPr>
+          <p:cNvPicPr>
+            <a:picLocks noChangeAspect="1"/>
+          </p:cNvPicPr>
+          <p:nvPr/>
+        </p:nvPicPr>
+        <p:blipFill>
+          <a:blip r:embed="rId9" cstate="email">
+            <a:extLst>
+              <a:ext uri="{28A0092B-C50C-407E-A947-70E740481C1C}">
+                <a14:useLocalDpi xmlns:a14="http://schemas.microsoft.com/office/drawing/2010/main"/>
+              </a:ext>
+            </a:extLst>
+          </a:blip>
+          <a:stretch>
+            <a:fillRect/>
+          </a:stretch>
+        </p:blipFill>
+        <p:spPr>
+          <a:xfrm>
+            <a:off x="75834" y="5213448"/>
+            <a:ext cx="1514152" cy="1588714"/>
+          </a:xfrm>
+          <a:prstGeom prst="rect">
+            <a:avLst/>
+          </a:prstGeom>
+        </p:spPr>
+      </p:pic>
+      <p:pic>
+        <p:nvPicPr>
+          <p:cNvPr id="10" name="Picture 9">
+            <a:extLst>
+              <a:ext uri="{FF2B5EF4-FFF2-40B4-BE49-F238E27FC236}">
+                <a16:creationId xmlns:a16="http://schemas.microsoft.com/office/drawing/2014/main" id="{9E7FCA04-20C8-8B79-D9D0-1C1F562B5231}"/>
+              </a:ext>
+            </a:extLst>
+          </p:cNvPr>
+          <p:cNvPicPr>
+            <a:picLocks noChangeAspect="1"/>
+          </p:cNvPicPr>
+          <p:nvPr/>
+        </p:nvPicPr>
+        <p:blipFill>
+          <a:blip r:embed="rId10" cstate="email">
+            <a:extLst>
+              <a:ext uri="{28A0092B-C50C-407E-A947-70E740481C1C}">
+                <a14:useLocalDpi xmlns:a14="http://schemas.microsoft.com/office/drawing/2010/main"/>
+              </a:ext>
+            </a:extLst>
+          </a:blip>
+          <a:stretch>
+            <a:fillRect/>
+          </a:stretch>
+        </p:blipFill>
+        <p:spPr>
+          <a:xfrm>
+            <a:off x="75834" y="3572900"/>
+            <a:ext cx="1221848" cy="1588713"/>
+          </a:xfrm>
+          <a:prstGeom prst="rect">
+            <a:avLst/>
+          </a:prstGeom>
+        </p:spPr>
+      </p:pic>
+      <p:pic>
+        <p:nvPicPr>
+          <p:cNvPr id="11" name="Picture 10">
+            <a:extLst>
+              <a:ext uri="{FF2B5EF4-FFF2-40B4-BE49-F238E27FC236}">
+                <a16:creationId xmlns:a16="http://schemas.microsoft.com/office/drawing/2014/main" id="{C3F30BEC-9F78-7057-0152-59AD6FCAC16C}"/>
+              </a:ext>
+            </a:extLst>
+          </p:cNvPr>
+          <p:cNvPicPr>
+            <a:picLocks noChangeAspect="1"/>
+          </p:cNvPicPr>
+          <p:nvPr/>
+        </p:nvPicPr>
+        <p:blipFill>
+          <a:blip r:embed="rId11" cstate="email">
+            <a:extLst>
+              <a:ext uri="{28A0092B-C50C-407E-A947-70E740481C1C}">
+                <a14:useLocalDpi xmlns:a14="http://schemas.microsoft.com/office/drawing/2010/main"/>
+              </a:ext>
+            </a:extLst>
+          </a:blip>
+          <a:stretch>
+            <a:fillRect/>
+          </a:stretch>
+        </p:blipFill>
+        <p:spPr>
+          <a:xfrm>
+            <a:off x="4855701" y="149402"/>
+            <a:ext cx="2053454" cy="2123658"/>
+          </a:xfrm>
+          <a:prstGeom prst="rect">
+            <a:avLst/>
+          </a:prstGeom>
+        </p:spPr>
+      </p:pic>
+      <p:pic>
+        <p:nvPicPr>
+          <p:cNvPr id="13" name="Picture 12">
+            <a:extLst>
+              <a:ext uri="{FF2B5EF4-FFF2-40B4-BE49-F238E27FC236}">
+                <a16:creationId xmlns:a16="http://schemas.microsoft.com/office/drawing/2014/main" id="{FB575BAE-1386-1831-1C19-9A77ED62237C}"/>
+              </a:ext>
+            </a:extLst>
+          </p:cNvPr>
+          <p:cNvPicPr>
+            <a:picLocks noChangeAspect="1"/>
+          </p:cNvPicPr>
+          <p:nvPr/>
+        </p:nvPicPr>
+        <p:blipFill>
+          <a:blip r:embed="rId12" cstate="email">
+            <a:extLst>
+              <a:ext uri="{28A0092B-C50C-407E-A947-70E740481C1C}">
+                <a14:useLocalDpi xmlns:a14="http://schemas.microsoft.com/office/drawing/2010/main"/>
+              </a:ext>
+            </a:extLst>
+          </a:blip>
+          <a:srcRect/>
+          <a:stretch/>
+        </p:blipFill>
+        <p:spPr>
+          <a:xfrm>
+            <a:off x="7003190" y="165759"/>
+            <a:ext cx="1748486" cy="2123658"/>
+          </a:xfrm>
+          <a:prstGeom prst="rect">
+            <a:avLst/>
+          </a:prstGeom>
+        </p:spPr>
+      </p:pic>
+      <p:pic>
+        <p:nvPicPr>
+          <p:cNvPr id="14" name="Picture 13">
+            <a:extLst>
+              <a:ext uri="{FF2B5EF4-FFF2-40B4-BE49-F238E27FC236}">
+                <a16:creationId xmlns:a16="http://schemas.microsoft.com/office/drawing/2014/main" id="{84069148-990A-F9CF-BC10-724E400E8520}"/>
+              </a:ext>
+            </a:extLst>
+          </p:cNvPr>
+          <p:cNvPicPr>
+            <a:picLocks noChangeAspect="1"/>
+          </p:cNvPicPr>
+          <p:nvPr/>
+        </p:nvPicPr>
+        <p:blipFill>
+          <a:blip r:embed="rId13" cstate="email">
+            <a:extLst>
+              <a:ext uri="{28A0092B-C50C-407E-A947-70E740481C1C}">
+                <a14:useLocalDpi xmlns:a14="http://schemas.microsoft.com/office/drawing/2010/main"/>
+              </a:ext>
+            </a:extLst>
+          </a:blip>
+          <a:stretch>
+            <a:fillRect/>
+          </a:stretch>
+        </p:blipFill>
+        <p:spPr>
+          <a:xfrm>
+            <a:off x="8876808" y="180211"/>
+            <a:ext cx="3234589" cy="2123658"/>
+          </a:xfrm>
+          <a:prstGeom prst="rect">
+            <a:avLst/>
+          </a:prstGeom>
+        </p:spPr>
+      </p:pic>
+      <p:pic>
+        <p:nvPicPr>
+          <p:cNvPr id="22" name="Picture 21">
+            <a:extLst>
+              <a:ext uri="{FF2B5EF4-FFF2-40B4-BE49-F238E27FC236}">
+                <a16:creationId xmlns:a16="http://schemas.microsoft.com/office/drawing/2014/main" id="{5DA65063-5105-3154-2E53-CBF0B7C7B1CF}"/>
+              </a:ext>
+            </a:extLst>
+          </p:cNvPr>
+          <p:cNvPicPr>
+            <a:picLocks noChangeAspect="1"/>
+          </p:cNvPicPr>
+          <p:nvPr/>
+        </p:nvPicPr>
+        <p:blipFill>
+          <a:blip r:embed="rId14" cstate="email">
+            <a:extLst>
+              <a:ext uri="{28A0092B-C50C-407E-A947-70E740481C1C}">
+                <a14:useLocalDpi xmlns:a14="http://schemas.microsoft.com/office/drawing/2010/main"/>
+              </a:ext>
+            </a:extLst>
+          </a:blip>
+          <a:stretch>
+            <a:fillRect/>
+          </a:stretch>
+        </p:blipFill>
+        <p:spPr>
+          <a:xfrm>
+            <a:off x="8641508" y="4903704"/>
+            <a:ext cx="1013475" cy="1833036"/>
+          </a:xfrm>
+          <a:prstGeom prst="rect">
+            <a:avLst/>
+          </a:prstGeom>
+        </p:spPr>
+      </p:pic>
+      <p:pic>
+        <p:nvPicPr>
+          <p:cNvPr id="24" name="Picture 23">
+            <a:extLst>
+              <a:ext uri="{FF2B5EF4-FFF2-40B4-BE49-F238E27FC236}">
+                <a16:creationId xmlns:a16="http://schemas.microsoft.com/office/drawing/2014/main" id="{D26F57B7-9076-DE14-7DDD-842C01FD25F6}"/>
+              </a:ext>
+            </a:extLst>
+          </p:cNvPr>
+          <p:cNvPicPr>
+            <a:picLocks noChangeAspect="1"/>
+          </p:cNvPicPr>
+          <p:nvPr/>
+        </p:nvPicPr>
+        <p:blipFill>
+          <a:blip r:embed="rId15" cstate="email">
+            <a:extLst>
+              <a:ext uri="{28A0092B-C50C-407E-A947-70E740481C1C}">
+                <a14:useLocalDpi xmlns:a14="http://schemas.microsoft.com/office/drawing/2010/main"/>
+              </a:ext>
+            </a:extLst>
+          </a:blip>
+          <a:stretch>
+            <a:fillRect/>
+          </a:stretch>
+        </p:blipFill>
+        <p:spPr>
+          <a:xfrm>
+            <a:off x="2777275" y="3595609"/>
+            <a:ext cx="4050353" cy="2298415"/>
+          </a:xfrm>
+          <a:prstGeom prst="rect">
+            <a:avLst/>
+          </a:prstGeom>
+        </p:spPr>
+      </p:pic>
+      <p:pic>
+        <p:nvPicPr>
+          <p:cNvPr id="25" name="Picture 24">
+            <a:extLst>
+              <a:ext uri="{FF2B5EF4-FFF2-40B4-BE49-F238E27FC236}">
+                <a16:creationId xmlns:a16="http://schemas.microsoft.com/office/drawing/2014/main" id="{0C8600A5-C025-2079-9741-2E1FE5BFE2B9}"/>
+              </a:ext>
+            </a:extLst>
+          </p:cNvPr>
+          <p:cNvPicPr>
+            <a:picLocks noChangeAspect="1"/>
+          </p:cNvPicPr>
+          <p:nvPr/>
+        </p:nvPicPr>
+        <p:blipFill>
+          <a:blip r:embed="rId16" cstate="email">
+            <a:extLst>
+              <a:ext uri="{28A0092B-C50C-407E-A947-70E740481C1C}">
+                <a14:useLocalDpi xmlns:a14="http://schemas.microsoft.com/office/drawing/2010/main"/>
+              </a:ext>
+            </a:extLst>
+          </a:blip>
+          <a:stretch>
+            <a:fillRect/>
+          </a:stretch>
+        </p:blipFill>
+        <p:spPr>
+          <a:xfrm>
+            <a:off x="7061378" y="2551118"/>
+            <a:ext cx="2197036" cy="2123658"/>
+          </a:xfrm>
+          <a:prstGeom prst="rect">
+            <a:avLst/>
+          </a:prstGeom>
+        </p:spPr>
+      </p:pic>
+      <p:pic>
+        <p:nvPicPr>
+          <p:cNvPr id="26" name="Picture 25">
+            <a:extLst>
+              <a:ext uri="{FF2B5EF4-FFF2-40B4-BE49-F238E27FC236}">
+                <a16:creationId xmlns:a16="http://schemas.microsoft.com/office/drawing/2014/main" id="{7BF63E31-A2A8-CCA9-3C91-329982E7799A}"/>
+              </a:ext>
+            </a:extLst>
+          </p:cNvPr>
+          <p:cNvPicPr>
+            <a:picLocks noChangeAspect="1"/>
+          </p:cNvPicPr>
+          <p:nvPr/>
+        </p:nvPicPr>
+        <p:blipFill>
+          <a:blip r:embed="rId17" cstate="email">
+            <a:extLst>
+              <a:ext uri="{28A0092B-C50C-407E-A947-70E740481C1C}">
+                <a14:useLocalDpi xmlns:a14="http://schemas.microsoft.com/office/drawing/2010/main"/>
+              </a:ext>
+            </a:extLst>
+          </a:blip>
+          <a:stretch>
+            <a:fillRect/>
+          </a:stretch>
+        </p:blipFill>
+        <p:spPr>
+          <a:xfrm>
+            <a:off x="10164062" y="4859685"/>
+            <a:ext cx="1337547" cy="1738076"/>
+          </a:xfrm>
+          <a:prstGeom prst="rect">
+            <a:avLst/>
+          </a:prstGeom>
+        </p:spPr>
+      </p:pic>
     </p:spTree>
     <p:extLst>
       <p:ext uri="{BB962C8B-B14F-4D97-AF65-F5344CB8AC3E}">
-        <p14:creationId xmlns:p14="http://schemas.microsoft.com/office/powerpoint/2010/main" val="2058619068"/>
+        <p14:creationId xmlns:p14="http://schemas.microsoft.com/office/powerpoint/2010/main" val="3393413962"/>
       </p:ext>
     </p:extLst>
   </p:cSld>
@@ -6178,7 +6528,7 @@
           <p:cNvPr id="2" name="TextBox 1">
             <a:extLst>
               <a:ext uri="{FF2B5EF4-FFF2-40B4-BE49-F238E27FC236}">
-                <a16:creationId xmlns:a16="http://schemas.microsoft.com/office/drawing/2014/main" id="{D6BE494A-1D70-975A-2B84-2CAE063F22B7}"/>
+                <a16:creationId xmlns:a16="http://schemas.microsoft.com/office/drawing/2014/main" id="{E0163547-3461-AE07-C75E-7594C61EA810}"/>
               </a:ext>
             </a:extLst>
           </p:cNvPr>
@@ -6187,8 +6537,8 @@
         </p:nvSpPr>
         <p:spPr>
           <a:xfrm>
-            <a:off x="54591" y="384720"/>
-            <a:ext cx="4681182" cy="276999"/>
+            <a:off x="27590" y="156426"/>
+            <a:ext cx="4575088" cy="553998"/>
           </a:xfrm>
           <a:prstGeom prst="rect">
             <a:avLst/>
@@ -6202,33 +6552,203 @@
           <a:lstStyle/>
           <a:p>
             <a:r>
-              <a:rPr lang="en-US" sz="1200" dirty="0">
-                <a:hlinkClick r:id="rId2"/>
-              </a:rPr>
-              <a:t>https://</a:t>
-            </a:r>
-            <a:r>
-              <a:rPr lang="en-US" sz="1200" dirty="0" err="1">
-                <a:hlinkClick r:id="rId2"/>
-              </a:rPr>
-              <a:t>www.tradepriceflues.com</a:t>
-            </a:r>
-            <a:r>
-              <a:rPr lang="en-US" sz="1200" dirty="0">
-                <a:hlinkClick r:id="rId2"/>
-              </a:rPr>
-              <a:t>/blog/chimney-fan-buying-guide/</a:t>
-            </a:r>
-            <a:endParaRPr lang="en-US" sz="1200" dirty="0"/>
-          </a:p>
-        </p:txBody>
-      </p:sp>
-      <p:sp>
-        <p:nvSpPr>
-          <p:cNvPr id="3" name="TextBox 2">
-            <a:extLst>
-              <a:ext uri="{FF2B5EF4-FFF2-40B4-BE49-F238E27FC236}">
-                <a16:creationId xmlns:a16="http://schemas.microsoft.com/office/drawing/2014/main" id="{62475A5C-E72F-911E-3F14-7C12E6A230A9}"/>
+              <a:rPr lang="en-US" b="1" dirty="0"/>
+              <a:t>Chimney Fan Draft Inducer</a:t>
+            </a:r>
+          </a:p>
+          <a:p>
+            <a:r>
+              <a:rPr lang="en-US" sz="1200" b="1" dirty="0"/>
+              <a:t>Prevent wood stove exhaust from entering the room</a:t>
+            </a:r>
+          </a:p>
+        </p:txBody>
+      </p:sp>
+      <p:pic>
+        <p:nvPicPr>
+          <p:cNvPr id="3" name="Picture 2">
+            <a:extLst>
+              <a:ext uri="{FF2B5EF4-FFF2-40B4-BE49-F238E27FC236}">
+                <a16:creationId xmlns:a16="http://schemas.microsoft.com/office/drawing/2014/main" id="{7D0E4DA9-E4F2-E34E-F919-6BBBAEFDD7DC}"/>
+              </a:ext>
+            </a:extLst>
+          </p:cNvPr>
+          <p:cNvPicPr>
+            <a:picLocks noChangeAspect="1"/>
+          </p:cNvPicPr>
+          <p:nvPr/>
+        </p:nvPicPr>
+        <p:blipFill rotWithShape="1">
+          <a:blip r:embed="rId2" cstate="email">
+            <a:extLst>
+              <a:ext uri="{28A0092B-C50C-407E-A947-70E740481C1C}">
+                <a14:useLocalDpi xmlns:a14="http://schemas.microsoft.com/office/drawing/2010/main"/>
+              </a:ext>
+            </a:extLst>
+          </a:blip>
+          <a:srcRect/>
+          <a:stretch/>
+        </p:blipFill>
+        <p:spPr>
+          <a:xfrm>
+            <a:off x="118581" y="3812248"/>
+            <a:ext cx="2104583" cy="1993641"/>
+          </a:xfrm>
+          <a:prstGeom prst="rect">
+            <a:avLst/>
+          </a:prstGeom>
+        </p:spPr>
+      </p:pic>
+      <p:pic>
+        <p:nvPicPr>
+          <p:cNvPr id="4" name="Picture 3">
+            <a:extLst>
+              <a:ext uri="{FF2B5EF4-FFF2-40B4-BE49-F238E27FC236}">
+                <a16:creationId xmlns:a16="http://schemas.microsoft.com/office/drawing/2014/main" id="{BE4134FA-9C86-1ED0-6854-E397FF551634}"/>
+              </a:ext>
+            </a:extLst>
+          </p:cNvPr>
+          <p:cNvPicPr>
+            <a:picLocks noChangeAspect="1"/>
+          </p:cNvPicPr>
+          <p:nvPr/>
+        </p:nvPicPr>
+        <p:blipFill>
+          <a:blip r:embed="rId3" cstate="email">
+            <a:extLst>
+              <a:ext uri="{28A0092B-C50C-407E-A947-70E740481C1C}">
+                <a14:useLocalDpi xmlns:a14="http://schemas.microsoft.com/office/drawing/2010/main"/>
+              </a:ext>
+            </a:extLst>
+          </a:blip>
+          <a:stretch>
+            <a:fillRect/>
+          </a:stretch>
+        </p:blipFill>
+        <p:spPr>
+          <a:xfrm>
+            <a:off x="2223164" y="3812248"/>
+            <a:ext cx="2305957" cy="2196150"/>
+          </a:xfrm>
+          <a:prstGeom prst="rect">
+            <a:avLst/>
+          </a:prstGeom>
+        </p:spPr>
+      </p:pic>
+      <p:pic>
+        <p:nvPicPr>
+          <p:cNvPr id="5" name="Picture 4">
+            <a:extLst>
+              <a:ext uri="{FF2B5EF4-FFF2-40B4-BE49-F238E27FC236}">
+                <a16:creationId xmlns:a16="http://schemas.microsoft.com/office/drawing/2014/main" id="{08DCCB36-5A5C-A131-2897-5A5F969C3C06}"/>
+              </a:ext>
+            </a:extLst>
+          </p:cNvPr>
+          <p:cNvPicPr>
+            <a:picLocks noChangeAspect="1"/>
+          </p:cNvPicPr>
+          <p:nvPr/>
+        </p:nvPicPr>
+        <p:blipFill>
+          <a:blip r:embed="rId4" cstate="email">
+            <a:extLst>
+              <a:ext uri="{28A0092B-C50C-407E-A947-70E740481C1C}">
+                <a14:useLocalDpi xmlns:a14="http://schemas.microsoft.com/office/drawing/2010/main"/>
+              </a:ext>
+            </a:extLst>
+          </a:blip>
+          <a:stretch>
+            <a:fillRect/>
+          </a:stretch>
+        </p:blipFill>
+        <p:spPr>
+          <a:xfrm>
+            <a:off x="4602678" y="3812248"/>
+            <a:ext cx="2154185" cy="2196150"/>
+          </a:xfrm>
+          <a:prstGeom prst="rect">
+            <a:avLst/>
+          </a:prstGeom>
+        </p:spPr>
+      </p:pic>
+      <p:pic>
+        <p:nvPicPr>
+          <p:cNvPr id="6" name="Picture 5">
+            <a:extLst>
+              <a:ext uri="{FF2B5EF4-FFF2-40B4-BE49-F238E27FC236}">
+                <a16:creationId xmlns:a16="http://schemas.microsoft.com/office/drawing/2014/main" id="{8A3BD7ED-07BD-CB55-974C-D87E032C35B8}"/>
+              </a:ext>
+            </a:extLst>
+          </p:cNvPr>
+          <p:cNvPicPr>
+            <a:picLocks noChangeAspect="1"/>
+          </p:cNvPicPr>
+          <p:nvPr/>
+        </p:nvPicPr>
+        <p:blipFill>
+          <a:blip r:embed="rId5" cstate="email">
+            <a:extLst>
+              <a:ext uri="{28A0092B-C50C-407E-A947-70E740481C1C}">
+                <a14:useLocalDpi xmlns:a14="http://schemas.microsoft.com/office/drawing/2010/main"/>
+              </a:ext>
+            </a:extLst>
+          </a:blip>
+          <a:stretch>
+            <a:fillRect/>
+          </a:stretch>
+        </p:blipFill>
+        <p:spPr>
+          <a:xfrm>
+            <a:off x="118581" y="1843315"/>
+            <a:ext cx="1832429" cy="1810191"/>
+          </a:xfrm>
+          <a:prstGeom prst="rect">
+            <a:avLst/>
+          </a:prstGeom>
+        </p:spPr>
+      </p:pic>
+      <p:pic>
+        <p:nvPicPr>
+          <p:cNvPr id="7" name="Picture 6">
+            <a:extLst>
+              <a:ext uri="{FF2B5EF4-FFF2-40B4-BE49-F238E27FC236}">
+                <a16:creationId xmlns:a16="http://schemas.microsoft.com/office/drawing/2014/main" id="{FF87E69D-57C4-BE32-103D-5EFE0C6250AD}"/>
+              </a:ext>
+            </a:extLst>
+          </p:cNvPr>
+          <p:cNvPicPr>
+            <a:picLocks noChangeAspect="1"/>
+          </p:cNvPicPr>
+          <p:nvPr/>
+        </p:nvPicPr>
+        <p:blipFill>
+          <a:blip r:embed="rId6" cstate="email">
+            <a:extLst>
+              <a:ext uri="{28A0092B-C50C-407E-A947-70E740481C1C}">
+                <a14:useLocalDpi xmlns:a14="http://schemas.microsoft.com/office/drawing/2010/main"/>
+              </a:ext>
+            </a:extLst>
+          </a:blip>
+          <a:stretch>
+            <a:fillRect/>
+          </a:stretch>
+        </p:blipFill>
+        <p:spPr>
+          <a:xfrm>
+            <a:off x="2456114" y="1843315"/>
+            <a:ext cx="1541114" cy="1884136"/>
+          </a:xfrm>
+          <a:prstGeom prst="rect">
+            <a:avLst/>
+          </a:prstGeom>
+        </p:spPr>
+      </p:pic>
+      <p:sp>
+        <p:nvSpPr>
+          <p:cNvPr id="8" name="TextBox 7">
+            <a:extLst>
+              <a:ext uri="{FF2B5EF4-FFF2-40B4-BE49-F238E27FC236}">
+                <a16:creationId xmlns:a16="http://schemas.microsoft.com/office/drawing/2014/main" id="{519074FB-33E1-EC08-AE2A-42103F180C41}"/>
               </a:ext>
             </a:extLst>
           </p:cNvPr>
@@ -6237,8 +6757,8 @@
         </p:nvSpPr>
         <p:spPr>
           <a:xfrm>
-            <a:off x="1037085" y="1443841"/>
-            <a:ext cx="5402626" cy="3970318"/>
+            <a:off x="118581" y="730466"/>
+            <a:ext cx="5808494" cy="738664"/>
           </a:xfrm>
           <a:prstGeom prst="rect">
             <a:avLst/>
@@ -6261,13 +6781,80 @@
           </a:bodyPr>
           <a:lstStyle/>
           <a:p>
+            <a:r>
+              <a:rPr lang="en-US" sz="1400" dirty="0"/>
+              <a:t>Tip to prevent the smoke from getting into the room when you ignite the fire:</a:t>
+            </a:r>
+          </a:p>
+          <a:p>
+            <a:r>
+              <a:rPr lang="en-US" sz="1400" dirty="0">
+                <a:solidFill>
+                  <a:srgbClr val="00B050"/>
+                </a:solidFill>
+              </a:rPr>
+              <a:t>simply open the outer door or window to remove the air pressure difference between the room and outside.</a:t>
+            </a:r>
+          </a:p>
+        </p:txBody>
+      </p:sp>
+      <p:sp>
+        <p:nvSpPr>
+          <p:cNvPr id="10" name="TextBox 9">
+            <a:extLst>
+              <a:ext uri="{FF2B5EF4-FFF2-40B4-BE49-F238E27FC236}">
+                <a16:creationId xmlns:a16="http://schemas.microsoft.com/office/drawing/2014/main" id="{C4F7554B-C216-2253-8A4B-383EAC5D3709}"/>
+              </a:ext>
+            </a:extLst>
+          </p:cNvPr>
+          <p:cNvSpPr txBox="1"/>
+          <p:nvPr/>
+        </p:nvSpPr>
+        <p:spPr>
+          <a:xfrm>
+            <a:off x="6907576" y="2731256"/>
+            <a:ext cx="5165842" cy="3970318"/>
+          </a:xfrm>
+          <a:prstGeom prst="rect">
+            <a:avLst/>
+          </a:prstGeom>
+          <a:solidFill>
+            <a:schemeClr val="accent4">
+              <a:lumMod val="20000"/>
+              <a:lumOff val="80000"/>
+            </a:schemeClr>
+          </a:solidFill>
+          <a:ln>
+            <a:solidFill>
+              <a:srgbClr val="FF0000"/>
+            </a:solidFill>
+          </a:ln>
+        </p:spPr>
+        <p:txBody>
+          <a:bodyPr wrap="square" rtlCol="0">
+            <a:spAutoFit/>
+          </a:bodyPr>
+          <a:lstStyle/>
+          <a:p>
             <a:pPr marL="285750" indent="-285750">
               <a:buFont typeface="Arial" panose="020B0604020202020204" pitchFamily="34" charset="0"/>
               <a:buChar char="•"/>
             </a:pPr>
             <a:r>
               <a:rPr lang="en-US" sz="1400" dirty="0"/>
-              <a:t>a chimney fan is a remote-controlled fan which is fitted either at the top of your chimney or to a twin wall flue system</a:t>
+              <a:t>a chimney fan is a </a:t>
+            </a:r>
+            <a:r>
+              <a:rPr lang="en-US" sz="1400" b="1" dirty="0">
+                <a:solidFill>
+                  <a:srgbClr val="FF0000"/>
+                </a:solidFill>
+              </a:rPr>
+              <a:t>remote-controlled fan </a:t>
+            </a:r>
+            <a:r>
+              <a:rPr lang="en-US" sz="1400" dirty="0"/>
+              <a:t>which is fitted either at the top of your chimney or to a twin wall flue system</a:t>
             </a:r>
           </a:p>
           <a:p>
@@ -6277,7 +6864,15 @@
             </a:pPr>
             <a:r>
               <a:rPr lang="en-US" sz="1400" dirty="0"/>
-              <a:t>chimney fans work by creating negative pressure within the chimney flue pulling gases from the room into the chimney</a:t>
+              <a:t>chimney fans work by creating negative pressure within the chimney flue </a:t>
+            </a:r>
+            <a:r>
+              <a:rPr lang="en-US" sz="1400" b="1" dirty="0">
+                <a:solidFill>
+                  <a:srgbClr val="FF0000"/>
+                </a:solidFill>
+              </a:rPr>
+              <a:t>pulling gases from the room into the chimney</a:t>
             </a:r>
           </a:p>
           <a:p>
@@ -6326,7 +6921,11 @@
               <a:buChar char="•"/>
             </a:pPr>
             <a:r>
-              <a:rPr lang="en-US" sz="1400" dirty="0"/>
+              <a:rPr lang="en-US" sz="1400" b="1" dirty="0">
+                <a:solidFill>
+                  <a:srgbClr val="00B050"/>
+                </a:solidFill>
+              </a:rPr>
               <a:t>specific fans for different temperatures (up to 500ºC) and fuels (solid, gas, oil, ...)</a:t>
             </a:r>
           </a:p>
@@ -6346,28 +6945,22 @@
               <a:buChar char="•"/>
             </a:pPr>
             <a:r>
-              <a:rPr lang="en-US" sz="1400" dirty="0"/>
-              <a:t>fan usually uses less than 40 Watts. The wire runs from the fan down into your home</a:t>
-            </a:r>
-          </a:p>
-          <a:p>
-            <a:pPr marL="285750" indent="-285750">
-              <a:buFont typeface="Arial" panose="020B0604020202020204" pitchFamily="34" charset="0"/>
-              <a:buChar char="•"/>
-            </a:pPr>
-            <a:r>
-              <a:rPr lang="en-US" sz="1400" dirty="0"/>
-              <a:t>The control unit is usually installed on the wall near the fireplace</a:t>
-            </a:r>
-          </a:p>
-        </p:txBody>
-      </p:sp>
-      <p:sp>
-        <p:nvSpPr>
-          <p:cNvPr id="4" name="TextBox 3">
-            <a:extLst>
-              <a:ext uri="{FF2B5EF4-FFF2-40B4-BE49-F238E27FC236}">
-                <a16:creationId xmlns:a16="http://schemas.microsoft.com/office/drawing/2014/main" id="{804B930F-5D5D-F26B-BBCB-72F4AF95ED6F}"/>
+              <a:rPr lang="en-US" sz="1400" dirty="0">
+                <a:solidFill>
+                  <a:srgbClr val="00B0F0"/>
+                </a:solidFill>
+              </a:rPr>
+              <a:t>fan usually uses less than 40 Watts. The wire runs from the fan down into your home. The control unit is usually installed on the wall near the fireplace</a:t>
+            </a:r>
+          </a:p>
+        </p:txBody>
+      </p:sp>
+      <p:sp>
+        <p:nvSpPr>
+          <p:cNvPr id="11" name="TextBox 10">
+            <a:extLst>
+              <a:ext uri="{FF2B5EF4-FFF2-40B4-BE49-F238E27FC236}">
+                <a16:creationId xmlns:a16="http://schemas.microsoft.com/office/drawing/2014/main" id="{D2EAABD4-6479-78D5-9B52-3DABBCEFD5F6}"/>
               </a:ext>
             </a:extLst>
           </p:cNvPr>
@@ -6376,8 +6969,8 @@
         </p:nvSpPr>
         <p:spPr>
           <a:xfrm>
-            <a:off x="0" y="0"/>
-            <a:ext cx="4790365" cy="523220"/>
+            <a:off x="4482178" y="1992568"/>
+            <a:ext cx="2395183" cy="646331"/>
           </a:xfrm>
           <a:prstGeom prst="rect">
             <a:avLst/>
@@ -6391,18 +6984,27 @@
           <a:lstStyle/>
           <a:p>
             <a:r>
-              <a:rPr lang="en-US" sz="2800" b="1" dirty="0"/>
+              <a:rPr lang="en-US" sz="1200" b="1" dirty="0"/>
               <a:t>Chimney Fan Buying Guide</a:t>
             </a:r>
+          </a:p>
+          <a:p>
+            <a:r>
+              <a:rPr lang="en-US" sz="1200" dirty="0">
+                <a:hlinkClick r:id="rId7"/>
+              </a:rPr>
+              <a:t>https://www.tradepriceflues.com/blog/chimney-fan-buying-guide/</a:t>
+            </a:r>
+            <a:endParaRPr lang="en-US" sz="1200" dirty="0"/>
           </a:p>
         </p:txBody>
       </p:sp>
       <p:pic>
         <p:nvPicPr>
-          <p:cNvPr id="5" name="Picture 4">
-            <a:extLst>
-              <a:ext uri="{FF2B5EF4-FFF2-40B4-BE49-F238E27FC236}">
-                <a16:creationId xmlns:a16="http://schemas.microsoft.com/office/drawing/2014/main" id="{944F1353-29EF-A4BA-3F62-875C1A394972}"/>
+          <p:cNvPr id="12" name="Picture 11">
+            <a:extLst>
+              <a:ext uri="{FF2B5EF4-FFF2-40B4-BE49-F238E27FC236}">
+                <a16:creationId xmlns:a16="http://schemas.microsoft.com/office/drawing/2014/main" id="{9FD9909F-9700-066E-5057-C03401839068}"/>
               </a:ext>
             </a:extLst>
           </p:cNvPr>
@@ -6412,7 +7014,7 @@
           <p:nvPr/>
         </p:nvPicPr>
         <p:blipFill>
-          <a:blip r:embed="rId3" cstate="email">
+          <a:blip r:embed="rId8" cstate="email">
             <a:extLst>
               <a:ext uri="{28A0092B-C50C-407E-A947-70E740481C1C}">
                 <a14:useLocalDpi xmlns:a14="http://schemas.microsoft.com/office/drawing/2010/main"/>
@@ -6425,8 +7027,8 @@
         </p:blipFill>
         <p:spPr>
           <a:xfrm>
-            <a:off x="7896513" y="523219"/>
-            <a:ext cx="3650364" cy="2816948"/>
+            <a:off x="9449417" y="156426"/>
+            <a:ext cx="2624001" cy="2024914"/>
           </a:xfrm>
           <a:prstGeom prst="rect">
             <a:avLst/>
@@ -6436,7 +7038,7 @@
     </p:spTree>
     <p:extLst>
       <p:ext uri="{BB962C8B-B14F-4D97-AF65-F5344CB8AC3E}">
-        <p14:creationId xmlns:p14="http://schemas.microsoft.com/office/powerpoint/2010/main" val="1349974465"/>
+        <p14:creationId xmlns:p14="http://schemas.microsoft.com/office/powerpoint/2010/main" val="2058619068"/>
       </p:ext>
     </p:extLst>
   </p:cSld>
@@ -6465,61 +7067,72 @@
       </p:grpSpPr>
       <p:pic>
         <p:nvPicPr>
-          <p:cNvPr id="2" name="Picture 1">
-            <a:extLst>
-              <a:ext uri="{FF2B5EF4-FFF2-40B4-BE49-F238E27FC236}">
-                <a16:creationId xmlns:a16="http://schemas.microsoft.com/office/drawing/2014/main" id="{C8C287DC-8697-95EE-87E2-722FB7D00257}"/>
+          <p:cNvPr id="1026" name="Picture 2" descr="Signs Your Chimney Crown is Damaged and What To Do About It">
+            <a:extLst>
+              <a:ext uri="{FF2B5EF4-FFF2-40B4-BE49-F238E27FC236}">
+                <a16:creationId xmlns:a16="http://schemas.microsoft.com/office/drawing/2014/main" id="{04B62F88-FEDC-AABE-955E-B2B203CE067B}"/>
               </a:ext>
             </a:extLst>
           </p:cNvPr>
           <p:cNvPicPr>
-            <a:picLocks noChangeAspect="1"/>
+            <a:picLocks noChangeAspect="1" noChangeArrowheads="1"/>
           </p:cNvPicPr>
           <p:nvPr/>
         </p:nvPicPr>
         <p:blipFill>
-          <a:blip r:embed="rId2" cstate="email">
+          <a:blip r:embed="rId2">
             <a:extLst>
               <a:ext uri="{28A0092B-C50C-407E-A947-70E740481C1C}">
-                <a14:useLocalDpi xmlns:a14="http://schemas.microsoft.com/office/drawing/2010/main"/>
+                <a14:useLocalDpi xmlns:a14="http://schemas.microsoft.com/office/drawing/2010/main" val="0"/>
               </a:ext>
             </a:extLst>
           </a:blip>
+          <a:srcRect/>
           <a:stretch>
             <a:fillRect/>
           </a:stretch>
         </p:blipFill>
-        <p:spPr>
-          <a:xfrm>
-            <a:off x="359923" y="733664"/>
-            <a:ext cx="2169268" cy="2233360"/>
-          </a:xfrm>
-          <a:prstGeom prst="rect">
-            <a:avLst/>
-          </a:prstGeom>
-        </p:spPr>
-      </p:pic>
-      <p:sp>
-        <p:nvSpPr>
-          <p:cNvPr id="3" name="TextBox 2">
-            <a:extLst>
-              <a:ext uri="{FF2B5EF4-FFF2-40B4-BE49-F238E27FC236}">
-                <a16:creationId xmlns:a16="http://schemas.microsoft.com/office/drawing/2014/main" id="{428E18E6-3C5C-495D-0D10-E8260D137553}"/>
-              </a:ext>
-            </a:extLst>
-          </p:cNvPr>
-          <p:cNvSpPr txBox="1"/>
-          <p:nvPr/>
-        </p:nvSpPr>
-        <p:spPr>
-          <a:xfrm>
-            <a:off x="16213" y="0"/>
-            <a:ext cx="4980561" cy="523220"/>
+        <p:spPr bwMode="auto">
+          <a:xfrm>
+            <a:off x="253388" y="726194"/>
+            <a:ext cx="2430137" cy="2430137"/>
           </a:xfrm>
           <a:prstGeom prst="rect">
             <a:avLst/>
           </a:prstGeom>
           <a:noFill/>
+          <a:extLst>
+            <a:ext uri="{909E8E84-426E-40DD-AFC4-6F175D3DCCD1}">
+              <a14:hiddenFill xmlns:a14="http://schemas.microsoft.com/office/drawing/2010/main">
+                <a:solidFill>
+                  <a:srgbClr val="FFFFFF"/>
+                </a:solidFill>
+              </a14:hiddenFill>
+            </a:ext>
+          </a:extLst>
+        </p:spPr>
+      </p:pic>
+      <p:sp>
+        <p:nvSpPr>
+          <p:cNvPr id="2" name="TextBox 1">
+            <a:extLst>
+              <a:ext uri="{FF2B5EF4-FFF2-40B4-BE49-F238E27FC236}">
+                <a16:creationId xmlns:a16="http://schemas.microsoft.com/office/drawing/2014/main" id="{38C5BC97-9189-A80A-C188-D807FD014330}"/>
+              </a:ext>
+            </a:extLst>
+          </p:cNvPr>
+          <p:cNvSpPr txBox="1"/>
+          <p:nvPr/>
+        </p:nvSpPr>
+        <p:spPr>
+          <a:xfrm>
+            <a:off x="27590" y="156426"/>
+            <a:ext cx="1999514" cy="369332"/>
+          </a:xfrm>
+          <a:prstGeom prst="rect">
+            <a:avLst/>
+          </a:prstGeom>
+          <a:noFill/>
         </p:spPr>
         <p:txBody>
           <a:bodyPr wrap="square" rtlCol="0">
@@ -6528,54 +7141,159 @@
           <a:lstStyle/>
           <a:p>
             <a:r>
-              <a:rPr lang="en-US" sz="2800" b="1" dirty="0"/>
-              <a:t>Anti-Backdraft Damper</a:t>
+              <a:rPr lang="en-US" b="1" dirty="0"/>
+              <a:t>Chimney Crown</a:t>
             </a:r>
           </a:p>
         </p:txBody>
       </p:sp>
       <p:pic>
         <p:nvPicPr>
-          <p:cNvPr id="4" name="Picture 3">
-            <a:extLst>
-              <a:ext uri="{FF2B5EF4-FFF2-40B4-BE49-F238E27FC236}">
-                <a16:creationId xmlns:a16="http://schemas.microsoft.com/office/drawing/2014/main" id="{097C5F5E-E079-5449-525B-0313CE20A30A}"/>
+          <p:cNvPr id="1028" name="Picture 4" descr="How to repair a bad chimney crown - YouTube">
+            <a:extLst>
+              <a:ext uri="{FF2B5EF4-FFF2-40B4-BE49-F238E27FC236}">
+                <a16:creationId xmlns:a16="http://schemas.microsoft.com/office/drawing/2014/main" id="{D2DAE0C5-57CF-FE58-4D03-63DA57197790}"/>
               </a:ext>
             </a:extLst>
           </p:cNvPr>
           <p:cNvPicPr>
-            <a:picLocks noChangeAspect="1"/>
+            <a:picLocks noChangeAspect="1" noChangeArrowheads="1"/>
           </p:cNvPicPr>
           <p:nvPr/>
         </p:nvPicPr>
         <p:blipFill>
-          <a:blip r:embed="rId3" cstate="email">
+          <a:blip r:embed="rId3">
             <a:extLst>
               <a:ext uri="{28A0092B-C50C-407E-A947-70E740481C1C}">
-                <a14:useLocalDpi xmlns:a14="http://schemas.microsoft.com/office/drawing/2010/main"/>
+                <a14:useLocalDpi xmlns:a14="http://schemas.microsoft.com/office/drawing/2010/main" val="0"/>
               </a:ext>
             </a:extLst>
           </a:blip>
+          <a:srcRect/>
           <a:stretch>
             <a:fillRect/>
           </a:stretch>
         </p:blipFill>
-        <p:spPr>
-          <a:xfrm>
-            <a:off x="416904" y="3318213"/>
-            <a:ext cx="2211320" cy="2233360"/>
+        <p:spPr bwMode="auto">
+          <a:xfrm>
+            <a:off x="2891010" y="726194"/>
+            <a:ext cx="3090298" cy="1730567"/>
           </a:xfrm>
           <a:prstGeom prst="rect">
             <a:avLst/>
           </a:prstGeom>
+          <a:noFill/>
+          <a:extLst>
+            <a:ext uri="{909E8E84-426E-40DD-AFC4-6F175D3DCCD1}">
+              <a14:hiddenFill xmlns:a14="http://schemas.microsoft.com/office/drawing/2010/main">
+                <a:solidFill>
+                  <a:srgbClr val="FFFFFF"/>
+                </a:solidFill>
+              </a14:hiddenFill>
+            </a:ext>
+          </a:extLst>
         </p:spPr>
       </p:pic>
-      <p:sp>
-        <p:nvSpPr>
-          <p:cNvPr id="5" name="TextBox 4">
-            <a:extLst>
-              <a:ext uri="{FF2B5EF4-FFF2-40B4-BE49-F238E27FC236}">
-                <a16:creationId xmlns:a16="http://schemas.microsoft.com/office/drawing/2014/main" id="{ED70FDEA-A661-14B8-993C-FF54FF55641D}"/>
+      <p:pic>
+        <p:nvPicPr>
+          <p:cNvPr id="1030" name="Picture 6" descr="Professional Chimney Crown Repairs | Prevent Chimney Leaks">
+            <a:extLst>
+              <a:ext uri="{FF2B5EF4-FFF2-40B4-BE49-F238E27FC236}">
+                <a16:creationId xmlns:a16="http://schemas.microsoft.com/office/drawing/2014/main" id="{CC7991A8-810F-3D0C-2BCA-757CF17613AD}"/>
+              </a:ext>
+            </a:extLst>
+          </p:cNvPr>
+          <p:cNvPicPr>
+            <a:picLocks noChangeAspect="1" noChangeArrowheads="1"/>
+          </p:cNvPicPr>
+          <p:nvPr/>
+        </p:nvPicPr>
+        <p:blipFill>
+          <a:blip r:embed="rId4">
+            <a:extLst>
+              <a:ext uri="{28A0092B-C50C-407E-A947-70E740481C1C}">
+                <a14:useLocalDpi xmlns:a14="http://schemas.microsoft.com/office/drawing/2010/main" val="0"/>
+              </a:ext>
+            </a:extLst>
+          </a:blip>
+          <a:srcRect/>
+          <a:stretch>
+            <a:fillRect/>
+          </a:stretch>
+        </p:blipFill>
+        <p:spPr bwMode="auto">
+          <a:xfrm>
+            <a:off x="2891010" y="2588045"/>
+            <a:ext cx="3090298" cy="3090298"/>
+          </a:xfrm>
+          <a:prstGeom prst="rect">
+            <a:avLst/>
+          </a:prstGeom>
+          <a:noFill/>
+          <a:extLst>
+            <a:ext uri="{909E8E84-426E-40DD-AFC4-6F175D3DCCD1}">
+              <a14:hiddenFill xmlns:a14="http://schemas.microsoft.com/office/drawing/2010/main">
+                <a:solidFill>
+                  <a:srgbClr val="FFFFFF"/>
+                </a:solidFill>
+              </a14:hiddenFill>
+            </a:ext>
+          </a:extLst>
+        </p:spPr>
+      </p:pic>
+      <p:pic>
+        <p:nvPicPr>
+          <p:cNvPr id="1032" name="Picture 8" descr="Chimney Crown Repair Brooklyn | Brooklyn Chimney Crown Repair and  Installation Specialists | Chimney Crown Repair New York | Chimney Crown  Repair NY">
+            <a:extLst>
+              <a:ext uri="{FF2B5EF4-FFF2-40B4-BE49-F238E27FC236}">
+                <a16:creationId xmlns:a16="http://schemas.microsoft.com/office/drawing/2014/main" id="{BAAE5FED-2A49-5154-0E4C-BFBCDE1E96B3}"/>
+              </a:ext>
+            </a:extLst>
+          </p:cNvPr>
+          <p:cNvPicPr>
+            <a:picLocks noChangeAspect="1" noChangeArrowheads="1"/>
+          </p:cNvPicPr>
+          <p:nvPr/>
+        </p:nvPicPr>
+        <p:blipFill>
+          <a:blip r:embed="rId5">
+            <a:extLst>
+              <a:ext uri="{28A0092B-C50C-407E-A947-70E740481C1C}">
+                <a14:useLocalDpi xmlns:a14="http://schemas.microsoft.com/office/drawing/2010/main" val="0"/>
+              </a:ext>
+            </a:extLst>
+          </a:blip>
+          <a:srcRect/>
+          <a:stretch>
+            <a:fillRect/>
+          </a:stretch>
+        </p:blipFill>
+        <p:spPr bwMode="auto">
+          <a:xfrm>
+            <a:off x="253388" y="3356767"/>
+            <a:ext cx="2390696" cy="2002698"/>
+          </a:xfrm>
+          <a:prstGeom prst="rect">
+            <a:avLst/>
+          </a:prstGeom>
+          <a:noFill/>
+          <a:extLst>
+            <a:ext uri="{909E8E84-426E-40DD-AFC4-6F175D3DCCD1}">
+              <a14:hiddenFill xmlns:a14="http://schemas.microsoft.com/office/drawing/2010/main">
+                <a:solidFill>
+                  <a:srgbClr val="FFFFFF"/>
+                </a:solidFill>
+              </a14:hiddenFill>
+            </a:ext>
+          </a:extLst>
+        </p:spPr>
+      </p:pic>
+      <p:sp>
+        <p:nvSpPr>
+          <p:cNvPr id="3" name="TextBox 2">
+            <a:extLst>
+              <a:ext uri="{FF2B5EF4-FFF2-40B4-BE49-F238E27FC236}">
+                <a16:creationId xmlns:a16="http://schemas.microsoft.com/office/drawing/2014/main" id="{A58C3279-73A5-6F56-B488-790407CD95DF}"/>
               </a:ext>
             </a:extLst>
           </p:cNvPr>
@@ -6584,8 +7302,8 @@
         </p:nvSpPr>
         <p:spPr>
           <a:xfrm>
-            <a:off x="2959198" y="2059083"/>
-            <a:ext cx="3412641" cy="1815882"/>
+            <a:off x="6381145" y="726194"/>
+            <a:ext cx="5692840" cy="3108543"/>
           </a:xfrm>
           <a:prstGeom prst="rect">
             <a:avLst/>
@@ -6609,27 +7327,112 @@
           <a:lstStyle/>
           <a:p>
             <a:r>
+              <a:rPr lang="en-US" sz="1400" b="1" dirty="0">
+                <a:solidFill>
+                  <a:srgbClr val="FF0000"/>
+                </a:solidFill>
+              </a:rPr>
+              <a:t>Repairing a cracked chimney crown.</a:t>
+            </a:r>
+          </a:p>
+          <a:p>
+            <a:endParaRPr lang="en-US" sz="1400" dirty="0"/>
+          </a:p>
+          <a:p>
+            <a:pPr marL="285750" indent="-285750">
+              <a:buFont typeface="Arial" panose="020B0604020202020204" pitchFamily="34" charset="0"/>
+              <a:buChar char="•"/>
+            </a:pPr>
+            <a:r>
               <a:rPr lang="en-US" sz="1400" dirty="0"/>
-              <a:t>Typically, the backdraft damper is situated into the duct system and prevents air from the outside coming into your home. </a:t>
+              <a:t>few fine cracks - can be sealed with masonry silicone sealant or acrylic latex caulk .</a:t>
+            </a:r>
+          </a:p>
+          <a:p>
+            <a:pPr marL="285750" indent="-285750">
+              <a:buFont typeface="Arial" panose="020B0604020202020204" pitchFamily="34" charset="0"/>
+              <a:buChar char="•"/>
+            </a:pPr>
+            <a:r>
+              <a:rPr lang="en-US" sz="1400" dirty="0"/>
+              <a:t>larger cracks can be patched with quick-setting repair mortar</a:t>
+            </a:r>
+          </a:p>
+          <a:p>
+            <a:pPr marL="285750" indent="-285750">
+              <a:buFont typeface="Arial" panose="020B0604020202020204" pitchFamily="34" charset="0"/>
+              <a:buChar char="•"/>
+            </a:pPr>
+            <a:r>
+              <a:rPr lang="en-US" sz="1400" dirty="0" err="1"/>
+              <a:t>significan</a:t>
+            </a:r>
+            <a:r>
+              <a:rPr lang="en-US" sz="1400" dirty="0"/>
+              <a:t> damage may require full replacement</a:t>
             </a:r>
           </a:p>
           <a:p>
             <a:endParaRPr lang="en-US" sz="1400" dirty="0"/>
           </a:p>
           <a:p>
+            <a:pPr marL="285750" indent="-285750">
+              <a:buFont typeface="Arial" panose="020B0604020202020204" pitchFamily="34" charset="0"/>
+              <a:buChar char="•"/>
+            </a:pPr>
             <a:r>
               <a:rPr lang="en-US" sz="1400" dirty="0"/>
-              <a:t>Dampers are built with blades designed to allow air to flow through in one direction out of the house, keeping cold air outside during the winter months.</a:t>
-            </a:r>
-          </a:p>
-        </p:txBody>
-      </p:sp>
-      <p:sp>
-        <p:nvSpPr>
-          <p:cNvPr id="6" name="TextBox 5">
-            <a:extLst>
-              <a:ext uri="{FF2B5EF4-FFF2-40B4-BE49-F238E27FC236}">
-                <a16:creationId xmlns:a16="http://schemas.microsoft.com/office/drawing/2014/main" id="{9E512EED-9C70-E0C9-B7F9-6A2AB3744983}"/>
+              <a:t>clean with wire brush</a:t>
+            </a:r>
+          </a:p>
+          <a:p>
+            <a:pPr marL="285750" indent="-285750">
+              <a:buFont typeface="Arial" panose="020B0604020202020204" pitchFamily="34" charset="0"/>
+              <a:buChar char="•"/>
+            </a:pPr>
+            <a:r>
+              <a:rPr lang="en-US" sz="1400" dirty="0"/>
+              <a:t>remove loose mortar (use chisel)</a:t>
+            </a:r>
+          </a:p>
+          <a:p>
+            <a:pPr marL="285750" indent="-285750">
+              <a:buFont typeface="Arial" panose="020B0604020202020204" pitchFamily="34" charset="0"/>
+              <a:buChar char="•"/>
+            </a:pPr>
+            <a:r>
+              <a:rPr lang="en-US" sz="1400" dirty="0"/>
+              <a:t>lightly dampen the crown with wet cloth to help the repair materials bond better</a:t>
+            </a:r>
+          </a:p>
+          <a:p>
+            <a:pPr marL="285750" indent="-285750">
+              <a:buFont typeface="Arial" panose="020B0604020202020204" pitchFamily="34" charset="0"/>
+              <a:buChar char="•"/>
+            </a:pPr>
+            <a:r>
+              <a:rPr lang="en-US" sz="1400" dirty="0"/>
+              <a:t>apply sealant, caulk, or mortar using putty knife</a:t>
+            </a:r>
+          </a:p>
+          <a:p>
+            <a:pPr marL="285750" indent="-285750">
+              <a:buFont typeface="Arial" panose="020B0604020202020204" pitchFamily="34" charset="0"/>
+              <a:buChar char="•"/>
+            </a:pPr>
+            <a:r>
+              <a:rPr lang="en-US" sz="1400" dirty="0"/>
+              <a:t>Apply Elastomeric Sealant after the patch has dried (water-based elastomeric coating designed for chimney crowns). </a:t>
+            </a:r>
+          </a:p>
+        </p:txBody>
+      </p:sp>
+      <p:sp>
+        <p:nvSpPr>
+          <p:cNvPr id="4" name="TextBox 3">
+            <a:extLst>
+              <a:ext uri="{FF2B5EF4-FFF2-40B4-BE49-F238E27FC236}">
+                <a16:creationId xmlns:a16="http://schemas.microsoft.com/office/drawing/2014/main" id="{2F801880-7E85-D9E2-6CAC-08A25593819E}"/>
               </a:ext>
             </a:extLst>
           </p:cNvPr>
@@ -6638,8 +7441,8 @@
         </p:nvSpPr>
         <p:spPr>
           <a:xfrm>
-            <a:off x="4665519" y="4903989"/>
-            <a:ext cx="3553691" cy="954107"/>
+            <a:off x="406299" y="5359465"/>
+            <a:ext cx="2084874" cy="307777"/>
           </a:xfrm>
           <a:prstGeom prst="rect">
             <a:avLst/>
@@ -6664,7 +7467,303 @@
           <a:p>
             <a:r>
               <a:rPr lang="en-US" sz="1400" dirty="0"/>
-              <a:t>A louver is a window blind or shutter with horizontal slats that are angled to admit air, but to keep out rain. The angle of the slats may be adjustable or fixed.</a:t>
+              <a:t>Cracks in Chimney Crown</a:t>
+            </a:r>
+          </a:p>
+        </p:txBody>
+      </p:sp>
+    </p:spTree>
+    <p:extLst>
+      <p:ext uri="{BB962C8B-B14F-4D97-AF65-F5344CB8AC3E}">
+        <p14:creationId xmlns:p14="http://schemas.microsoft.com/office/powerpoint/2010/main" val="712115290"/>
+      </p:ext>
+    </p:extLst>
+  </p:cSld>
+  <p:clrMapOvr>
+    <a:masterClrMapping/>
+  </p:clrMapOvr>
+</p:sld>
+</file>
+
+<file path=ppt/slides/slide8.xml><?xml version="1.0" encoding="utf-8"?>
+<p:sld xmlns:a="http://schemas.openxmlformats.org/drawingml/2006/main" xmlns:r="http://schemas.openxmlformats.org/officeDocument/2006/relationships" xmlns:p="http://schemas.openxmlformats.org/presentationml/2006/main">
+  <p:cSld>
+    <p:spTree>
+      <p:nvGrpSpPr>
+        <p:cNvPr id="1" name=""/>
+        <p:cNvGrpSpPr/>
+        <p:nvPr/>
+      </p:nvGrpSpPr>
+      <p:grpSpPr>
+        <a:xfrm>
+          <a:off x="0" y="0"/>
+          <a:ext cx="0" cy="0"/>
+          <a:chOff x="0" y="0"/>
+          <a:chExt cx="0" cy="0"/>
+        </a:xfrm>
+      </p:grpSpPr>
+      <p:pic>
+        <p:nvPicPr>
+          <p:cNvPr id="2" name="Picture 1">
+            <a:extLst>
+              <a:ext uri="{FF2B5EF4-FFF2-40B4-BE49-F238E27FC236}">
+                <a16:creationId xmlns:a16="http://schemas.microsoft.com/office/drawing/2014/main" id="{C8C287DC-8697-95EE-87E2-722FB7D00257}"/>
+              </a:ext>
+            </a:extLst>
+          </p:cNvPr>
+          <p:cNvPicPr>
+            <a:picLocks noChangeAspect="1"/>
+          </p:cNvPicPr>
+          <p:nvPr/>
+        </p:nvPicPr>
+        <p:blipFill>
+          <a:blip r:embed="rId2" cstate="email">
+            <a:extLst>
+              <a:ext uri="{28A0092B-C50C-407E-A947-70E740481C1C}">
+                <a14:useLocalDpi xmlns:a14="http://schemas.microsoft.com/office/drawing/2010/main"/>
+              </a:ext>
+            </a:extLst>
+          </a:blip>
+          <a:stretch>
+            <a:fillRect/>
+          </a:stretch>
+        </p:blipFill>
+        <p:spPr>
+          <a:xfrm>
+            <a:off x="106535" y="722647"/>
+            <a:ext cx="1374029" cy="1414625"/>
+          </a:xfrm>
+          <a:prstGeom prst="rect">
+            <a:avLst/>
+          </a:prstGeom>
+        </p:spPr>
+      </p:pic>
+      <p:sp>
+        <p:nvSpPr>
+          <p:cNvPr id="3" name="TextBox 2">
+            <a:extLst>
+              <a:ext uri="{FF2B5EF4-FFF2-40B4-BE49-F238E27FC236}">
+                <a16:creationId xmlns:a16="http://schemas.microsoft.com/office/drawing/2014/main" id="{428E18E6-3C5C-495D-0D10-E8260D137553}"/>
+              </a:ext>
+            </a:extLst>
+          </p:cNvPr>
+          <p:cNvSpPr txBox="1"/>
+          <p:nvPr/>
+        </p:nvSpPr>
+        <p:spPr>
+          <a:xfrm>
+            <a:off x="16213" y="0"/>
+            <a:ext cx="4980561" cy="523220"/>
+          </a:xfrm>
+          <a:prstGeom prst="rect">
+            <a:avLst/>
+          </a:prstGeom>
+          <a:noFill/>
+        </p:spPr>
+        <p:txBody>
+          <a:bodyPr wrap="square" rtlCol="0">
+            <a:spAutoFit/>
+          </a:bodyPr>
+          <a:lstStyle/>
+          <a:p>
+            <a:r>
+              <a:rPr lang="en-US" sz="2800" b="1" dirty="0"/>
+              <a:t>Anti-Backdraft Damper</a:t>
+            </a:r>
+          </a:p>
+        </p:txBody>
+      </p:sp>
+      <p:pic>
+        <p:nvPicPr>
+          <p:cNvPr id="4" name="Picture 3">
+            <a:extLst>
+              <a:ext uri="{FF2B5EF4-FFF2-40B4-BE49-F238E27FC236}">
+                <a16:creationId xmlns:a16="http://schemas.microsoft.com/office/drawing/2014/main" id="{097C5F5E-E079-5449-525B-0313CE20A30A}"/>
+              </a:ext>
+            </a:extLst>
+          </p:cNvPr>
+          <p:cNvPicPr>
+            <a:picLocks noChangeAspect="1"/>
+          </p:cNvPicPr>
+          <p:nvPr/>
+        </p:nvPicPr>
+        <p:blipFill>
+          <a:blip r:embed="rId3" cstate="email">
+            <a:extLst>
+              <a:ext uri="{28A0092B-C50C-407E-A947-70E740481C1C}">
+                <a14:useLocalDpi xmlns:a14="http://schemas.microsoft.com/office/drawing/2010/main"/>
+              </a:ext>
+            </a:extLst>
+          </a:blip>
+          <a:stretch>
+            <a:fillRect/>
+          </a:stretch>
+        </p:blipFill>
+        <p:spPr>
+          <a:xfrm>
+            <a:off x="1683844" y="641115"/>
+            <a:ext cx="1400665" cy="1414625"/>
+          </a:xfrm>
+          <a:prstGeom prst="rect">
+            <a:avLst/>
+          </a:prstGeom>
+        </p:spPr>
+      </p:pic>
+      <p:sp>
+        <p:nvSpPr>
+          <p:cNvPr id="5" name="TextBox 4">
+            <a:extLst>
+              <a:ext uri="{FF2B5EF4-FFF2-40B4-BE49-F238E27FC236}">
+                <a16:creationId xmlns:a16="http://schemas.microsoft.com/office/drawing/2014/main" id="{ED70FDEA-A661-14B8-993C-FF54FF55641D}"/>
+              </a:ext>
+            </a:extLst>
+          </p:cNvPr>
+          <p:cNvSpPr txBox="1"/>
+          <p:nvPr/>
+        </p:nvSpPr>
+        <p:spPr>
+          <a:xfrm>
+            <a:off x="106535" y="2180238"/>
+            <a:ext cx="3412641" cy="1815882"/>
+          </a:xfrm>
+          <a:prstGeom prst="rect">
+            <a:avLst/>
+          </a:prstGeom>
+          <a:solidFill>
+            <a:schemeClr val="accent4">
+              <a:lumMod val="20000"/>
+              <a:lumOff val="80000"/>
+            </a:schemeClr>
+          </a:solidFill>
+          <a:ln>
+            <a:solidFill>
+              <a:srgbClr val="FF0000"/>
+            </a:solidFill>
+          </a:ln>
+        </p:spPr>
+        <p:txBody>
+          <a:bodyPr wrap="square" rtlCol="0">
+            <a:spAutoFit/>
+          </a:bodyPr>
+          <a:lstStyle/>
+          <a:p>
+            <a:r>
+              <a:rPr lang="en-US" sz="1400" dirty="0"/>
+              <a:t>Typically, the </a:t>
+            </a:r>
+            <a:r>
+              <a:rPr lang="en-US" sz="1400" b="1" dirty="0">
+                <a:solidFill>
+                  <a:srgbClr val="FF0000"/>
+                </a:solidFill>
+              </a:rPr>
+              <a:t>backdraft damper </a:t>
+            </a:r>
+            <a:r>
+              <a:rPr lang="en-US" sz="1400" dirty="0"/>
+              <a:t>is situated into the duct system and prevents air from the outside coming into your home. </a:t>
+            </a:r>
+          </a:p>
+          <a:p>
+            <a:endParaRPr lang="en-US" sz="1400" dirty="0"/>
+          </a:p>
+          <a:p>
+            <a:r>
+              <a:rPr lang="en-US" sz="1400" dirty="0"/>
+              <a:t>Dampers are built with blades designed to </a:t>
+            </a:r>
+            <a:r>
+              <a:rPr lang="en-US" sz="1400" b="1" dirty="0">
+                <a:solidFill>
+                  <a:srgbClr val="FF0000"/>
+                </a:solidFill>
+              </a:rPr>
+              <a:t>allow air to flow through in one direction out of the house</a:t>
+            </a:r>
+            <a:r>
+              <a:rPr lang="en-US" sz="1400" dirty="0"/>
+              <a:t>, keeping cold air outside during the winter months.</a:t>
+            </a:r>
+          </a:p>
+        </p:txBody>
+      </p:sp>
+      <p:sp>
+        <p:nvSpPr>
+          <p:cNvPr id="6" name="TextBox 5">
+            <a:extLst>
+              <a:ext uri="{FF2B5EF4-FFF2-40B4-BE49-F238E27FC236}">
+                <a16:creationId xmlns:a16="http://schemas.microsoft.com/office/drawing/2014/main" id="{9E512EED-9C70-E0C9-B7F9-6A2AB3744983}"/>
+              </a:ext>
+            </a:extLst>
+          </p:cNvPr>
+          <p:cNvSpPr txBox="1"/>
+          <p:nvPr/>
+        </p:nvSpPr>
+        <p:spPr>
+          <a:xfrm>
+            <a:off x="4680528" y="2315025"/>
+            <a:ext cx="3553691" cy="954107"/>
+          </a:xfrm>
+          <a:prstGeom prst="rect">
+            <a:avLst/>
+          </a:prstGeom>
+          <a:solidFill>
+            <a:schemeClr val="accent4">
+              <a:lumMod val="20000"/>
+              <a:lumOff val="80000"/>
+            </a:schemeClr>
+          </a:solidFill>
+          <a:ln>
+            <a:solidFill>
+              <a:srgbClr val="FF0000"/>
+            </a:solidFill>
+          </a:ln>
+        </p:spPr>
+        <p:txBody>
+          <a:bodyPr wrap="square" rtlCol="0">
+            <a:spAutoFit/>
+          </a:bodyPr>
+          <a:lstStyle/>
+          <a:p>
+            <a:r>
+              <a:rPr lang="en-US" sz="1400" dirty="0"/>
+              <a:t>A </a:t>
+            </a:r>
+            <a:r>
+              <a:rPr lang="en-US" sz="1400" b="1" dirty="0">
+                <a:solidFill>
+                  <a:srgbClr val="FF0000"/>
+                </a:solidFill>
+              </a:rPr>
+              <a:t>louver</a:t>
+            </a:r>
+            <a:r>
+              <a:rPr lang="en-US" sz="1400" dirty="0"/>
+              <a:t> is a </a:t>
+            </a:r>
+            <a:r>
+              <a:rPr lang="en-US" sz="1400" b="1" dirty="0">
+                <a:solidFill>
+                  <a:srgbClr val="00B0F0"/>
+                </a:solidFill>
+              </a:rPr>
+              <a:t>window blind or shutter with horizontal slats</a:t>
+            </a:r>
+            <a:r>
+              <a:rPr lang="en-US" sz="1400" dirty="0"/>
+              <a:t> that are angled to </a:t>
+            </a:r>
+            <a:r>
+              <a:rPr lang="en-US" sz="1400" b="1" dirty="0">
+                <a:solidFill>
+                  <a:srgbClr val="FF0000"/>
+                </a:solidFill>
+              </a:rPr>
+              <a:t>admit air, but to keep out rain</a:t>
+            </a:r>
+            <a:r>
+              <a:rPr lang="en-US" sz="1400" dirty="0"/>
+              <a:t>. The angle of the slats may be adjustable or fixed.</a:t>
             </a:r>
           </a:p>
         </p:txBody>
@@ -6697,7 +7796,7 @@
         </p:blipFill>
         <p:spPr>
           <a:xfrm>
-            <a:off x="8468014" y="4434893"/>
+            <a:off x="4665519" y="261610"/>
             <a:ext cx="3568700" cy="1892300"/>
           </a:xfrm>
           <a:prstGeom prst="rect">
